--- a/reference_content/Slides/008_Log_Reg_Images.pptx
+++ b/reference_content/Slides/008_Log_Reg_Images.pptx
@@ -43,6 +43,7 @@
     <p:sldId id="291" r:id="rId37"/>
     <p:sldId id="293" r:id="rId38"/>
     <p:sldId id="292" r:id="rId39"/>
+    <p:sldId id="294" r:id="rId40"/>
   </p:sldIdLst>
   <p:sldSz cx="12192000" cy="6858000"/>
   <p:notesSz cx="6858000" cy="9144000"/>
@@ -3752,25 +3753,24 @@
             </a:r>
           </a:p>
           <a:p>
-            <a:r>
-              <a:rPr lang="en-US" dirty="0" err="1"/>
-              <a:t>Assignmetn</a:t>
-            </a:r>
-            <a:r>
-              <a:rPr lang="en-US" dirty="0"/>
-              <a:t> #2:</a:t>
-            </a:r>
-          </a:p>
-          <a:p>
-            <a:pPr lvl="1"/>
-            <a:r>
-              <a:rPr lang="en-US" dirty="0"/>
-              <a:t> </a:t>
-            </a:r>
-          </a:p>
-          <a:p>
-            <a:pPr lvl="1"/>
-            <a:endParaRPr lang="en-US" dirty="0"/>
+            <a:pPr lvl="1"/>
+            <a:r>
+              <a:rPr lang="en-US" dirty="0"/>
+              <a:t>Feature construction basics.</a:t>
+            </a:r>
+          </a:p>
+          <a:p>
+            <a:r>
+              <a:rPr lang="en-US" dirty="0"/>
+              <a:t>Assignment #2:</a:t>
+            </a:r>
+          </a:p>
+          <a:p>
+            <a:pPr lvl="1"/>
+            <a:r>
+              <a:rPr lang="en-US" dirty="0"/>
+              <a:t> Regression with data cleanup and processing. </a:t>
+            </a:r>
           </a:p>
         </p:txBody>
       </p:sp>
@@ -8269,7 +8269,7 @@
             <a:pPr lvl="1"/>
             <a:r>
               <a:rPr lang="en-US" dirty="0"/>
-              <a:t>This works, and requires few changes. </a:t>
+              <a:t>This works, and requires few changes at all to work with our processes as they are. </a:t>
             </a:r>
           </a:p>
           <a:p>
@@ -8738,7 +8738,7 @@
           <a:p>
             <a:r>
               <a:rPr lang="en-US" dirty="0"/>
-              <a:t>Sometimes training data isn’t training data. </a:t>
+              <a:t>Sometimes training data isn’t the data you train on. </a:t>
             </a:r>
           </a:p>
           <a:p>
@@ -8776,8 +8776,62 @@
               <a:t>Remember – our goal is a good model, not one that is ‘true to the data’. </a:t>
             </a:r>
           </a:p>
-        </p:txBody>
-      </p:sp>
+          <a:p>
+            <a:pPr lvl="1"/>
+            <a:r>
+              <a:rPr lang="en-US" dirty="0"/>
+              <a:t>We need data that teaches our model the pattern of our data, irrespective if what we use is actually the data or not. </a:t>
+            </a:r>
+          </a:p>
+        </p:txBody>
+      </p:sp>
+      <p:pic>
+        <p:nvPicPr>
+          <p:cNvPr id="11266" name="Picture 2" descr="The Quote">
+            <a:extLst>
+              <a:ext uri="{FF2B5EF4-FFF2-40B4-BE49-F238E27FC236}">
+                <a16:creationId xmlns:a16="http://schemas.microsoft.com/office/drawing/2014/main" id="{69694CEC-319E-41D5-3B0A-1B48877A493A}"/>
+              </a:ext>
+            </a:extLst>
+          </p:cNvPr>
+          <p:cNvPicPr>
+            <a:picLocks noChangeAspect="1" noChangeArrowheads="1"/>
+          </p:cNvPicPr>
+          <p:nvPr/>
+        </p:nvPicPr>
+        <p:blipFill>
+          <a:blip r:embed="rId2">
+            <a:extLst>
+              <a:ext uri="{28A0092B-C50C-407E-A947-70E740481C1C}">
+                <a14:useLocalDpi xmlns:a14="http://schemas.microsoft.com/office/drawing/2010/main" val="0"/>
+              </a:ext>
+            </a:extLst>
+          </a:blip>
+          <a:srcRect/>
+          <a:stretch>
+            <a:fillRect/>
+          </a:stretch>
+        </p:blipFill>
+        <p:spPr bwMode="auto">
+          <a:xfrm>
+            <a:off x="8371864" y="0"/>
+            <a:ext cx="3820135" cy="2941504"/>
+          </a:xfrm>
+          <a:prstGeom prst="rect">
+            <a:avLst/>
+          </a:prstGeom>
+          <a:noFill/>
+          <a:extLst>
+            <a:ext uri="{909E8E84-426E-40DD-AFC4-6F175D3DCCD1}">
+              <a14:hiddenFill xmlns:a14="http://schemas.microsoft.com/office/drawing/2010/main">
+                <a:solidFill>
+                  <a:srgbClr val="FFFFFF"/>
+                </a:solidFill>
+              </a14:hiddenFill>
+            </a:ext>
+          </a:extLst>
+        </p:spPr>
+      </p:pic>
     </p:spTree>
     <p:extLst>
       <p:ext uri="{BB962C8B-B14F-4D97-AF65-F5344CB8AC3E}">
@@ -8854,12 +8908,14 @@
         </p:nvSpPr>
         <p:spPr>
           <a:xfrm>
-            <a:off x="1451579" y="1853755"/>
-            <a:ext cx="9603275" cy="4199726"/>
-          </a:xfrm>
-        </p:spPr>
-        <p:txBody>
-          <a:bodyPr/>
+            <a:off x="1451579" y="1853754"/>
+            <a:ext cx="9603275" cy="4305505"/>
+          </a:xfrm>
+        </p:spPr>
+        <p:txBody>
+          <a:bodyPr>
+            <a:normAutofit/>
+          </a:bodyPr>
           <a:lstStyle/>
           <a:p>
             <a:r>
@@ -8950,6 +9006,13 @@
             <a:r>
               <a:rPr lang="en-US" dirty="0"/>
               <a:t>…</a:t>
+            </a:r>
+          </a:p>
+          <a:p>
+            <a:pPr lvl="2"/>
+            <a:r>
+              <a:rPr lang="en-US" dirty="0"/>
+              <a:t>UPS does this for planning delivery routes – they avoid lefts and reverse, not just shortest. </a:t>
             </a:r>
           </a:p>
           <a:p>
@@ -9033,12 +9096,14 @@
         </p:nvSpPr>
         <p:spPr>
           <a:xfrm>
-            <a:off x="1451579" y="2015732"/>
-            <a:ext cx="9603275" cy="4037749"/>
-          </a:xfrm>
-        </p:spPr>
-        <p:txBody>
-          <a:bodyPr/>
+            <a:off x="1137147" y="1853754"/>
+            <a:ext cx="10292854" cy="4199727"/>
+          </a:xfrm>
+        </p:spPr>
+        <p:txBody>
+          <a:bodyPr>
+            <a:normAutofit lnSpcReduction="10000"/>
+          </a:bodyPr>
           <a:lstStyle/>
           <a:p>
             <a:r>
@@ -9049,7 +9114,14 @@
           <a:p>
             <a:r>
               <a:rPr lang="en-US" dirty="0"/>
-              <a:t>Time of day of accidents or traffic may be a feature that you have. </a:t>
+              <a:t>Date and time of accidents or traffic may be a feature that you have. </a:t>
+            </a:r>
+          </a:p>
+          <a:p>
+            <a:pPr lvl="1"/>
+            <a:r>
+              <a:rPr lang="en-US" dirty="0"/>
+              <a:t>E.g. 2025-01-30 15:00:00</a:t>
             </a:r>
           </a:p>
           <a:p>
@@ -9062,7 +9134,7 @@
             <a:pPr lvl="1"/>
             <a:r>
               <a:rPr lang="en-US" dirty="0"/>
-              <a:t>Truncate some precision – does knowing minutes help? Maybe hour, 4h block, 6h block. </a:t>
+              <a:t>Truncate some precision – does knowing seconds and minutes help? Maybe hour, 4h block, 6h block. </a:t>
             </a:r>
           </a:p>
           <a:p>
@@ -9088,6 +9160,13 @@
             </a:r>
           </a:p>
           <a:p>
+            <a:pPr lvl="1"/>
+            <a:r>
+              <a:rPr lang="en-US" dirty="0"/>
+              <a:t>Combine date with historical weather data to get precipitation info… </a:t>
+            </a:r>
+          </a:p>
+          <a:p>
             <a:r>
               <a:rPr lang="en-US" dirty="0"/>
               <a:t>Depending on scenario, what makes sense might change quite a bit. </a:t>
@@ -9096,13 +9175,8 @@
           <a:p>
             <a:r>
               <a:rPr lang="en-US" dirty="0"/>
-              <a:t>A default time may tell us less than a “is the sun in your eyes” feature for </a:t>
-            </a:r>
-            <a:r>
-              <a:rPr lang="en-US"/>
-              <a:t>this purpose. </a:t>
-            </a:r>
-            <a:endParaRPr lang="en-US" dirty="0"/>
+              <a:t>A default time may tell us less than a “is the sun in your eyes” feature for this purpose. </a:t>
+            </a:r>
           </a:p>
         </p:txBody>
       </p:sp>
@@ -9254,6 +9328,166 @@
     <p:extLst>
       <p:ext uri="{BB962C8B-B14F-4D97-AF65-F5344CB8AC3E}">
         <p14:creationId xmlns:p14="http://schemas.microsoft.com/office/powerpoint/2010/main" val="2293594047"/>
+      </p:ext>
+    </p:extLst>
+  </p:cSld>
+  <p:clrMapOvr>
+    <a:masterClrMapping/>
+  </p:clrMapOvr>
+</p:sld>
+</file>
+
+<file path=ppt/slides/slide39.xml><?xml version="1.0" encoding="utf-8"?>
+<p:sld xmlns:a="http://schemas.openxmlformats.org/drawingml/2006/main" xmlns:r="http://schemas.openxmlformats.org/officeDocument/2006/relationships" xmlns:p="http://schemas.openxmlformats.org/presentationml/2006/main">
+  <p:cSld>
+    <p:spTree>
+      <p:nvGrpSpPr>
+        <p:cNvPr id="1" name=""/>
+        <p:cNvGrpSpPr/>
+        <p:nvPr/>
+      </p:nvGrpSpPr>
+      <p:grpSpPr>
+        <a:xfrm>
+          <a:off x="0" y="0"/>
+          <a:ext cx="0" cy="0"/>
+          <a:chOff x="0" y="0"/>
+          <a:chExt cx="0" cy="0"/>
+        </a:xfrm>
+      </p:grpSpPr>
+      <p:sp>
+        <p:nvSpPr>
+          <p:cNvPr id="2" name="Title 1">
+            <a:extLst>
+              <a:ext uri="{FF2B5EF4-FFF2-40B4-BE49-F238E27FC236}">
+                <a16:creationId xmlns:a16="http://schemas.microsoft.com/office/drawing/2014/main" id="{0D58D21A-D132-F51B-AF36-439D34F1133D}"/>
+              </a:ext>
+            </a:extLst>
+          </p:cNvPr>
+          <p:cNvSpPr>
+            <a:spLocks noGrp="1"/>
+          </p:cNvSpPr>
+          <p:nvPr>
+            <p:ph type="title"/>
+          </p:nvPr>
+        </p:nvSpPr>
+        <p:spPr/>
+        <p:txBody>
+          <a:bodyPr/>
+          <a:lstStyle/>
+          <a:p>
+            <a:r>
+              <a:rPr lang="en-US" dirty="0"/>
+              <a:t>Assignment #2 – Regression </a:t>
+            </a:r>
+          </a:p>
+        </p:txBody>
+      </p:sp>
+      <p:sp>
+        <p:nvSpPr>
+          <p:cNvPr id="3" name="Content Placeholder 2">
+            <a:extLst>
+              <a:ext uri="{FF2B5EF4-FFF2-40B4-BE49-F238E27FC236}">
+                <a16:creationId xmlns:a16="http://schemas.microsoft.com/office/drawing/2014/main" id="{D02D4A52-CFF8-BFD7-C752-92A3D50FB304}"/>
+              </a:ext>
+            </a:extLst>
+          </p:cNvPr>
+          <p:cNvSpPr>
+            <a:spLocks noGrp="1"/>
+          </p:cNvSpPr>
+          <p:nvPr>
+            <p:ph idx="1"/>
+          </p:nvPr>
+        </p:nvSpPr>
+        <p:spPr>
+          <a:xfrm>
+            <a:off x="1451579" y="1853754"/>
+            <a:ext cx="9603275" cy="4199727"/>
+          </a:xfrm>
+        </p:spPr>
+        <p:txBody>
+          <a:bodyPr/>
+          <a:lstStyle/>
+          <a:p>
+            <a:r>
+              <a:rPr lang="en-US" dirty="0"/>
+              <a:t>The next assignment has lots of this type of stuff – yay for data cleaning!!!!!!</a:t>
+            </a:r>
+          </a:p>
+          <a:p>
+            <a:r>
+              <a:rPr lang="en-US" dirty="0"/>
+              <a:t>The data is messy (it’s survey data) so you need to clean it. </a:t>
+            </a:r>
+          </a:p>
+          <a:p>
+            <a:r>
+              <a:rPr lang="en-US" dirty="0"/>
+              <a:t>This could/will involve a few potential cleanup steps:</a:t>
+            </a:r>
+          </a:p>
+          <a:p>
+            <a:pPr lvl="1"/>
+            <a:r>
+              <a:rPr lang="en-US" dirty="0"/>
+              <a:t>‘Basics’ – imputation, scaling, </a:t>
+            </a:r>
+            <a:r>
+              <a:rPr lang="en-US" dirty="0" err="1"/>
+              <a:t>etc</a:t>
+            </a:r>
+            <a:r>
+              <a:rPr lang="en-US" dirty="0"/>
+              <a:t>…</a:t>
+            </a:r>
+          </a:p>
+          <a:p>
+            <a:pPr lvl="1"/>
+            <a:r>
+              <a:rPr lang="en-US" dirty="0"/>
+              <a:t>Selection (</a:t>
+            </a:r>
+            <a:r>
+              <a:rPr lang="en-US" dirty="0" err="1"/>
+              <a:t>f.s</a:t>
+            </a:r>
+            <a:r>
+              <a:rPr lang="en-US" dirty="0"/>
+              <a:t>. next week) – what to keep, what to remove. </a:t>
+            </a:r>
+          </a:p>
+          <a:p>
+            <a:pPr lvl="1"/>
+            <a:r>
+              <a:rPr lang="en-US" dirty="0"/>
+              <a:t>Transformations – many of the features are probably more useful in different formats. </a:t>
+            </a:r>
+          </a:p>
+          <a:p>
+            <a:r>
+              <a:rPr lang="en-US" dirty="0"/>
+              <a:t>Process - you’ll need to:</a:t>
+            </a:r>
+          </a:p>
+          <a:p>
+            <a:pPr lvl="1"/>
+            <a:r>
+              <a:rPr lang="en-US" dirty="0"/>
+              <a:t>Do some testing and trials to figure out what works. </a:t>
+            </a:r>
+          </a:p>
+          <a:p>
+            <a:pPr lvl="1"/>
+            <a:r>
+              <a:rPr lang="en-US" dirty="0"/>
+              <a:t>Build that into a pipeline (both sklearn and informal) to do that stuff and train model. </a:t>
+            </a:r>
+          </a:p>
+        </p:txBody>
+      </p:sp>
+    </p:spTree>
+    <p:extLst>
+      <p:ext uri="{BB962C8B-B14F-4D97-AF65-F5344CB8AC3E}">
+        <p14:creationId xmlns:p14="http://schemas.microsoft.com/office/powerpoint/2010/main" val="3304545818"/>
       </p:ext>
     </p:extLst>
   </p:cSld>

--- a/reference_content/Slides/008_Log_Reg_Images.pptx
+++ b/reference_content/Slides/008_Log_Reg_Images.pptx
@@ -3715,7 +3715,7 @@
         </p:spPr>
         <p:txBody>
           <a:bodyPr>
-            <a:normAutofit/>
+            <a:normAutofit fontScale="92500" lnSpcReduction="10000"/>
           </a:bodyPr>
           <a:lstStyle/>
           <a:p>
@@ -3770,6 +3770,19 @@
             <a:r>
               <a:rPr lang="en-US" dirty="0"/>
               <a:t> Regression with data cleanup and processing. </a:t>
+            </a:r>
+          </a:p>
+          <a:p>
+            <a:pPr lvl="1"/>
+            <a:r>
+              <a:rPr lang="en-US" dirty="0"/>
+              <a:t>Feature selection next time, you’ll need that as well.</a:t>
+            </a:r>
+          </a:p>
+          <a:p>
+            <a:r>
+              <a:rPr lang="en-US" dirty="0"/>
+              <a:t>Overall, this will kind of wrap up the ”make a model and use sklearn” bit, we’ll move into more complex things (natural language) in a week or so. Please ask/review if it’s shaky for you.</a:t>
             </a:r>
           </a:p>
         </p:txBody>
